--- a/wps/word/03段落考点/03段落常规考点.pptx
+++ b/wps/word/03段落考点/03段落常规考点.pptx
@@ -3285,56 +3285,6 @@
           </a:p>
         </p:txBody>
       </p:sp>
-      <p:sp>
-        <p:nvSpPr>
-          <p:cNvPr id="4" name="文本框 3"/>
-          <p:cNvSpPr txBox="1"/>
-          <p:nvPr/>
-        </p:nvSpPr>
-        <p:spPr>
-          <a:xfrm>
-            <a:off x="1254760" y="5954395"/>
-            <a:ext cx="4886274" cy="369332"/>
-          </a:xfrm>
-          <a:prstGeom prst="rect">
-            <a:avLst/>
-          </a:prstGeom>
-          <a:noFill/>
-        </p:spPr>
-        <p:txBody>
-          <a:bodyPr wrap="none" rtlCol="0">
-            <a:spAutoFit/>
-          </a:bodyPr>
-          <a:lstStyle/>
-          <a:p>
-            <a:r>
-              <a:rPr lang="zh-CN" altLang="en-US" dirty="0"/>
-              <a:t>备注：案例</a:t>
-            </a:r>
-            <a:r>
-              <a:rPr lang="zh-CN" altLang="en-US" dirty="0" smtClean="0"/>
-              <a:t>来源于阿福课堂二级</a:t>
-            </a:r>
-            <a:r>
-              <a:rPr lang="en-US" altLang="zh-CN" dirty="0" smtClean="0"/>
-              <a:t>WPS</a:t>
-            </a:r>
-            <a:r>
-              <a:rPr lang="zh-CN" altLang="en-US" dirty="0" smtClean="0"/>
-              <a:t>题库第</a:t>
-            </a:r>
-            <a:r>
-              <a:rPr lang="en-US" altLang="zh-CN" dirty="0" smtClean="0"/>
-              <a:t>5</a:t>
-            </a:r>
-            <a:r>
-              <a:rPr lang="zh-CN" altLang="en-US" dirty="0" smtClean="0"/>
-              <a:t>套</a:t>
-            </a:r>
-            <a:endParaRPr lang="en-US" altLang="zh-CN" dirty="0"/>
-          </a:p>
-        </p:txBody>
-      </p:sp>
     </p:spTree>
   </p:cSld>
   <p:clrMapOvr>
@@ -3468,71 +3418,6 @@
           </a:p>
           <a:p>
             <a:endParaRPr lang="zh-CN" altLang="en-US"/>
-          </a:p>
-        </p:txBody>
-      </p:sp>
-      <p:sp>
-        <p:nvSpPr>
-          <p:cNvPr id="4" name="文本框 3"/>
-          <p:cNvSpPr txBox="1"/>
-          <p:nvPr/>
-        </p:nvSpPr>
-        <p:spPr>
-          <a:xfrm>
-            <a:off x="1164590" y="5532120"/>
-            <a:ext cx="5191822" cy="646331"/>
-          </a:xfrm>
-          <a:prstGeom prst="rect">
-            <a:avLst/>
-          </a:prstGeom>
-          <a:noFill/>
-        </p:spPr>
-        <p:txBody>
-          <a:bodyPr wrap="square" rtlCol="0">
-            <a:spAutoFit/>
-          </a:bodyPr>
-          <a:lstStyle/>
-          <a:p>
-            <a:r>
-              <a:rPr lang="zh-CN" altLang="en-US" dirty="0">
-                <a:sym typeface="+mn-ea"/>
-              </a:rPr>
-              <a:t>备注：案例</a:t>
-            </a:r>
-            <a:r>
-              <a:rPr lang="zh-CN" altLang="en-US" dirty="0" smtClean="0">
-                <a:sym typeface="+mn-ea"/>
-              </a:rPr>
-              <a:t>来源于</a:t>
-            </a:r>
-            <a:r>
-              <a:rPr lang="zh-CN" altLang="en-US" dirty="0"/>
-              <a:t>阿福课堂二级</a:t>
-            </a:r>
-            <a:r>
-              <a:rPr lang="en-US" altLang="zh-CN" dirty="0"/>
-              <a:t>WPS</a:t>
-            </a:r>
-            <a:r>
-              <a:rPr lang="zh-CN" altLang="en-US" dirty="0" smtClean="0"/>
-              <a:t>题库第</a:t>
-            </a:r>
-            <a:r>
-              <a:rPr lang="en-US" altLang="zh-CN" dirty="0" smtClean="0">
-                <a:sym typeface="+mn-ea"/>
-              </a:rPr>
-              <a:t>11</a:t>
-            </a:r>
-            <a:r>
-              <a:rPr lang="zh-CN" altLang="en-US" dirty="0" smtClean="0">
-                <a:sym typeface="+mn-ea"/>
-              </a:rPr>
-              <a:t>套</a:t>
-            </a:r>
-            <a:endParaRPr lang="en-US" altLang="zh-CN" dirty="0"/>
-          </a:p>
-          <a:p>
-            <a:endParaRPr lang="zh-CN" altLang="en-US" dirty="0"/>
           </a:p>
         </p:txBody>
       </p:sp>
